--- a/Planning.pptx
+++ b/Planning.pptx
@@ -8,7 +8,6 @@
     <p:sldId id="256" r:id="rId2"/>
     <p:sldId id="257" r:id="rId3"/>
     <p:sldId id="258" r:id="rId4"/>
-    <p:sldId id="259" r:id="rId5"/>
   </p:sldIdLst>
   <p:sldSz cx="12192000" cy="6858000"/>
   <p:notesSz cx="6858000" cy="9144000"/>
@@ -261,7 +260,7 @@
           <a:lstStyle/>
           <a:p>
             <a:fld id="{24D9C6A3-5ACA-894C-BC2B-DDA653E908C5}" type="datetimeFigureOut">
-              <a:t>24/01/2024</a:t>
+              <a:t>2/19/2024</a:t>
             </a:fld>
             <a:endParaRPr lang="fr-FR"/>
           </a:p>
@@ -314,7 +313,7 @@
           <a:lstStyle/>
           <a:p>
             <a:fld id="{A9448C3C-852F-7043-A241-B8C96CF27369}" type="slidenum">
-              <a:t>‹N°›</a:t>
+              <a:t>‹#›</a:t>
             </a:fld>
             <a:endParaRPr lang="fr-FR"/>
           </a:p>
@@ -457,7 +456,7 @@
           <a:lstStyle/>
           <a:p>
             <a:fld id="{24D9C6A3-5ACA-894C-BC2B-DDA653E908C5}" type="datetimeFigureOut">
-              <a:t>24/01/2024</a:t>
+              <a:t>2/19/2024</a:t>
             </a:fld>
             <a:endParaRPr lang="fr-FR"/>
           </a:p>
@@ -510,7 +509,7 @@
           <a:lstStyle/>
           <a:p>
             <a:fld id="{A9448C3C-852F-7043-A241-B8C96CF27369}" type="slidenum">
-              <a:t>‹N°›</a:t>
+              <a:t>‹#›</a:t>
             </a:fld>
             <a:endParaRPr lang="fr-FR"/>
           </a:p>
@@ -663,7 +662,7 @@
           <a:lstStyle/>
           <a:p>
             <a:fld id="{24D9C6A3-5ACA-894C-BC2B-DDA653E908C5}" type="datetimeFigureOut">
-              <a:t>24/01/2024</a:t>
+              <a:t>2/19/2024</a:t>
             </a:fld>
             <a:endParaRPr lang="fr-FR"/>
           </a:p>
@@ -716,7 +715,7 @@
           <a:lstStyle/>
           <a:p>
             <a:fld id="{A9448C3C-852F-7043-A241-B8C96CF27369}" type="slidenum">
-              <a:t>‹N°›</a:t>
+              <a:t>‹#›</a:t>
             </a:fld>
             <a:endParaRPr lang="fr-FR"/>
           </a:p>
@@ -859,7 +858,7 @@
           <a:lstStyle/>
           <a:p>
             <a:fld id="{24D9C6A3-5ACA-894C-BC2B-DDA653E908C5}" type="datetimeFigureOut">
-              <a:t>24/01/2024</a:t>
+              <a:t>2/19/2024</a:t>
             </a:fld>
             <a:endParaRPr lang="fr-FR"/>
           </a:p>
@@ -912,7 +911,7 @@
           <a:lstStyle/>
           <a:p>
             <a:fld id="{A9448C3C-852F-7043-A241-B8C96CF27369}" type="slidenum">
-              <a:t>‹N°›</a:t>
+              <a:t>‹#›</a:t>
             </a:fld>
             <a:endParaRPr lang="fr-FR"/>
           </a:p>
@@ -1132,7 +1131,7 @@
           <a:lstStyle/>
           <a:p>
             <a:fld id="{24D9C6A3-5ACA-894C-BC2B-DDA653E908C5}" type="datetimeFigureOut">
-              <a:t>24/01/2024</a:t>
+              <a:t>2/19/2024</a:t>
             </a:fld>
             <a:endParaRPr lang="fr-FR"/>
           </a:p>
@@ -1185,7 +1184,7 @@
           <a:lstStyle/>
           <a:p>
             <a:fld id="{A9448C3C-852F-7043-A241-B8C96CF27369}" type="slidenum">
-              <a:t>‹N°›</a:t>
+              <a:t>‹#›</a:t>
             </a:fld>
             <a:endParaRPr lang="fr-FR"/>
           </a:p>
@@ -1395,7 +1394,7 @@
           <a:lstStyle/>
           <a:p>
             <a:fld id="{24D9C6A3-5ACA-894C-BC2B-DDA653E908C5}" type="datetimeFigureOut">
-              <a:t>24/01/2024</a:t>
+              <a:t>2/19/2024</a:t>
             </a:fld>
             <a:endParaRPr lang="fr-FR"/>
           </a:p>
@@ -1448,7 +1447,7 @@
           <a:lstStyle/>
           <a:p>
             <a:fld id="{A9448C3C-852F-7043-A241-B8C96CF27369}" type="slidenum">
-              <a:t>‹N°›</a:t>
+              <a:t>‹#›</a:t>
             </a:fld>
             <a:endParaRPr lang="fr-FR"/>
           </a:p>
@@ -1805,7 +1804,7 @@
           <a:lstStyle/>
           <a:p>
             <a:fld id="{24D9C6A3-5ACA-894C-BC2B-DDA653E908C5}" type="datetimeFigureOut">
-              <a:t>24/01/2024</a:t>
+              <a:t>2/19/2024</a:t>
             </a:fld>
             <a:endParaRPr lang="fr-FR"/>
           </a:p>
@@ -1858,7 +1857,7 @@
           <a:lstStyle/>
           <a:p>
             <a:fld id="{A9448C3C-852F-7043-A241-B8C96CF27369}" type="slidenum">
-              <a:t>‹N°›</a:t>
+              <a:t>‹#›</a:t>
             </a:fld>
             <a:endParaRPr lang="fr-FR"/>
           </a:p>
@@ -1944,7 +1943,7 @@
           <a:lstStyle/>
           <a:p>
             <a:fld id="{24D9C6A3-5ACA-894C-BC2B-DDA653E908C5}" type="datetimeFigureOut">
-              <a:t>24/01/2024</a:t>
+              <a:t>2/19/2024</a:t>
             </a:fld>
             <a:endParaRPr lang="fr-FR"/>
           </a:p>
@@ -1997,7 +1996,7 @@
           <a:lstStyle/>
           <a:p>
             <a:fld id="{A9448C3C-852F-7043-A241-B8C96CF27369}" type="slidenum">
-              <a:t>‹N°›</a:t>
+              <a:t>‹#›</a:t>
             </a:fld>
             <a:endParaRPr lang="fr-FR"/>
           </a:p>
@@ -2055,7 +2054,7 @@
           <a:lstStyle/>
           <a:p>
             <a:fld id="{24D9C6A3-5ACA-894C-BC2B-DDA653E908C5}" type="datetimeFigureOut">
-              <a:t>24/01/2024</a:t>
+              <a:t>2/19/2024</a:t>
             </a:fld>
             <a:endParaRPr lang="fr-FR"/>
           </a:p>
@@ -2108,7 +2107,7 @@
           <a:lstStyle/>
           <a:p>
             <a:fld id="{A9448C3C-852F-7043-A241-B8C96CF27369}" type="slidenum">
-              <a:t>‹N°›</a:t>
+              <a:t>‹#›</a:t>
             </a:fld>
             <a:endParaRPr lang="fr-FR"/>
           </a:p>
@@ -2364,7 +2363,7 @@
           <a:lstStyle/>
           <a:p>
             <a:fld id="{24D9C6A3-5ACA-894C-BC2B-DDA653E908C5}" type="datetimeFigureOut">
-              <a:t>24/01/2024</a:t>
+              <a:t>2/19/2024</a:t>
             </a:fld>
             <a:endParaRPr lang="fr-FR"/>
           </a:p>
@@ -2417,7 +2416,7 @@
           <a:lstStyle/>
           <a:p>
             <a:fld id="{A9448C3C-852F-7043-A241-B8C96CF27369}" type="slidenum">
-              <a:t>‹N°›</a:t>
+              <a:t>‹#›</a:t>
             </a:fld>
             <a:endParaRPr lang="fr-FR"/>
           </a:p>
@@ -2650,7 +2649,7 @@
           <a:lstStyle/>
           <a:p>
             <a:fld id="{24D9C6A3-5ACA-894C-BC2B-DDA653E908C5}" type="datetimeFigureOut">
-              <a:t>24/01/2024</a:t>
+              <a:t>2/19/2024</a:t>
             </a:fld>
             <a:endParaRPr lang="fr-FR"/>
           </a:p>
@@ -2703,7 +2702,7 @@
           <a:lstStyle/>
           <a:p>
             <a:fld id="{A9448C3C-852F-7043-A241-B8C96CF27369}" type="slidenum">
-              <a:t>‹N°›</a:t>
+              <a:t>‹#›</a:t>
             </a:fld>
             <a:endParaRPr lang="fr-FR"/>
           </a:p>
@@ -2889,7 +2888,7 @@
           </a:lstStyle>
           <a:p>
             <a:fld id="{24D9C6A3-5ACA-894C-BC2B-DDA653E908C5}" type="datetimeFigureOut">
-              <a:t>24/01/2024</a:t>
+              <a:t>2/19/2024</a:t>
             </a:fld>
             <a:endParaRPr lang="fr-FR"/>
           </a:p>
@@ -2978,7 +2977,7 @@
           </a:lstStyle>
           <a:p>
             <a:fld id="{A9448C3C-852F-7043-A241-B8C96CF27369}" type="slidenum">
-              <a:t>‹N°›</a:t>
+              <a:t>‹#›</a:t>
             </a:fld>
             <a:endParaRPr lang="fr-FR"/>
           </a:p>
@@ -5238,36 +5237,6 @@
 </p:sld>
 </file>
 
-<file path=ppt/slides/slide4.xml><?xml version="1.0" encoding="utf-8"?>
-<p:sld xmlns:a="http://schemas.openxmlformats.org/drawingml/2006/main" xmlns:r="http://schemas.openxmlformats.org/officeDocument/2006/relationships" xmlns:p="http://schemas.openxmlformats.org/presentationml/2006/main">
-  <p:cSld>
-    <p:spTree>
-      <p:nvGrpSpPr>
-        <p:cNvPr id="1" name=""/>
-        <p:cNvGrpSpPr/>
-        <p:nvPr/>
-      </p:nvGrpSpPr>
-      <p:grpSpPr>
-        <a:xfrm>
-          <a:off x="0" y="0"/>
-          <a:ext cx="0" cy="0"/>
-          <a:chOff x="0" y="0"/>
-          <a:chExt cx="0" cy="0"/>
-        </a:xfrm>
-      </p:grpSpPr>
-    </p:spTree>
-    <p:extLst>
-      <p:ext uri="{BB962C8B-B14F-4D97-AF65-F5344CB8AC3E}">
-        <p14:creationId xmlns:p14="http://schemas.microsoft.com/office/powerpoint/2010/main" val="2580783564"/>
-      </p:ext>
-    </p:extLst>
-  </p:cSld>
-  <p:clrMapOvr>
-    <a:masterClrMapping/>
-  </p:clrMapOvr>
-</p:sld>
-</file>
-
 <file path=ppt/theme/theme1.xml><?xml version="1.0" encoding="utf-8"?>
 <a:theme xmlns:a="http://schemas.openxmlformats.org/drawingml/2006/main" name="Thème Office">
   <a:themeElements>
